--- a/Project 1 Presentation.pptx
+++ b/Project 1 Presentation.pptx
@@ -5,15 +5,14 @@
     <p:sldMasterId id="2147483852" r:id="rId1"/>
   </p:sldMasterIdLst>
   <p:notesMasterIdLst>
-    <p:notesMasterId r:id="rId8"/>
+    <p:notesMasterId r:id="rId7"/>
   </p:notesMasterIdLst>
   <p:sldIdLst>
     <p:sldId id="256" r:id="rId2"/>
     <p:sldId id="271" r:id="rId3"/>
-    <p:sldId id="303" r:id="rId4"/>
-    <p:sldId id="292" r:id="rId5"/>
-    <p:sldId id="297" r:id="rId6"/>
-    <p:sldId id="304" r:id="rId7"/>
+    <p:sldId id="292" r:id="rId4"/>
+    <p:sldId id="297" r:id="rId5"/>
+    <p:sldId id="305" r:id="rId6"/>
   </p:sldIdLst>
   <p:sldSz cx="9144000" cy="6858000" type="screen4x3"/>
   <p:notesSz cx="7010400" cy="9296400"/>
@@ -3921,8 +3920,8 @@
         </p:nvSpPr>
         <p:spPr bwMode="auto">
           <a:xfrm>
-            <a:off x="2574376" y="1508579"/>
-            <a:ext cx="6343650" cy="1532164"/>
+            <a:off x="2574376" y="1415845"/>
+            <a:ext cx="6343650" cy="4309288"/>
           </a:xfrm>
           <a:prstGeom prst="rect">
             <a:avLst/>
@@ -3934,38 +3933,6 @@
             <a:noAutofit/>
           </a:bodyPr>
           <a:lstStyle/>
-          <a:p>
-            <a:pPr eaLnBrk="0" hangingPunct="0">
-              <a:lnSpc>
-                <a:spcPct val="85000"/>
-              </a:lnSpc>
-            </a:pPr>
-            <a:r>
-              <a:rPr lang="en-US" altLang="en-US" sz="2000" dirty="0">
-                <a:solidFill>
-                  <a:schemeClr val="tx1"/>
-                </a:solidFill>
-                <a:latin typeface="Corbel" panose="020B0503020204020204" pitchFamily="34" charset="0"/>
-              </a:rPr>
-              <a:t>Choose highly correlated variables to predict ‘price’ variables</a:t>
-            </a:r>
-          </a:p>
-          <a:p>
-            <a:pPr eaLnBrk="0" hangingPunct="0">
-              <a:lnSpc>
-                <a:spcPct val="85000"/>
-              </a:lnSpc>
-            </a:pPr>
-            <a:r>
-              <a:rPr lang="en-US" altLang="en-US" sz="2000" dirty="0">
-                <a:solidFill>
-                  <a:schemeClr val="tx1"/>
-                </a:solidFill>
-                <a:latin typeface="Corbel" panose="020B0503020204020204" pitchFamily="34" charset="0"/>
-              </a:rPr>
-              <a:t>Create a model to best explain the target variable</a:t>
-            </a:r>
-          </a:p>
           <a:p>
             <a:pPr eaLnBrk="0" hangingPunct="0">
               <a:lnSpc>
@@ -4011,6 +3978,102 @@
                 <a:spcPct val="85000"/>
               </a:lnSpc>
             </a:pPr>
+            <a:r>
+              <a:rPr lang="en-US" altLang="en-US" sz="2400" dirty="0">
+                <a:solidFill>
+                  <a:schemeClr val="tx1"/>
+                </a:solidFill>
+                <a:latin typeface="Corbel" panose="020B0503020204020204" pitchFamily="34" charset="0"/>
+              </a:rPr>
+              <a:t>Three questions for investors?</a:t>
+            </a:r>
+          </a:p>
+          <a:p>
+            <a:pPr marL="457200" indent="-457200" eaLnBrk="0" hangingPunct="0">
+              <a:lnSpc>
+                <a:spcPct val="85000"/>
+              </a:lnSpc>
+              <a:buFont typeface="+mj-lt"/>
+              <a:buAutoNum type="arabicPeriod"/>
+            </a:pPr>
+            <a:r>
+              <a:rPr lang="en-US" altLang="en-US" sz="2000" dirty="0">
+                <a:solidFill>
+                  <a:schemeClr val="tx1"/>
+                </a:solidFill>
+                <a:latin typeface="Corbel" panose="020B0503020204020204" pitchFamily="34" charset="0"/>
+              </a:rPr>
+              <a:t>If you are buying a house, what are the features to look at to know a market value of the house?</a:t>
+            </a:r>
+          </a:p>
+          <a:p>
+            <a:pPr marL="457200" indent="-457200" eaLnBrk="0" hangingPunct="0">
+              <a:lnSpc>
+                <a:spcPct val="85000"/>
+              </a:lnSpc>
+              <a:buFont typeface="+mj-lt"/>
+              <a:buAutoNum type="arabicPeriod"/>
+            </a:pPr>
+            <a:r>
+              <a:rPr lang="en-US" altLang="en-US" sz="2000" dirty="0">
+                <a:solidFill>
+                  <a:schemeClr val="tx1"/>
+                </a:solidFill>
+                <a:latin typeface="Corbel" panose="020B0503020204020204" pitchFamily="34" charset="0"/>
+              </a:rPr>
+              <a:t>Where is the most desirable location (zip code) to purchase a house depending on the budge</a:t>
+            </a:r>
+          </a:p>
+          <a:p>
+            <a:pPr marL="457200" indent="-457200" eaLnBrk="0" hangingPunct="0">
+              <a:lnSpc>
+                <a:spcPct val="85000"/>
+              </a:lnSpc>
+              <a:buFont typeface="+mj-lt"/>
+              <a:buAutoNum type="arabicPeriod"/>
+            </a:pPr>
+            <a:r>
+              <a:rPr lang="en-US" altLang="en-US" sz="2000" dirty="0">
+                <a:solidFill>
+                  <a:schemeClr val="tx1"/>
+                </a:solidFill>
+                <a:latin typeface="Corbel" panose="020B0503020204020204" pitchFamily="34" charset="0"/>
+              </a:rPr>
+              <a:t>Based on the features (preference of a house), how accurately can we predict the house? And how can we see if a house is overvalued or undervalued?</a:t>
+            </a:r>
+          </a:p>
+          <a:p>
+            <a:pPr eaLnBrk="0" hangingPunct="0">
+              <a:lnSpc>
+                <a:spcPct val="85000"/>
+              </a:lnSpc>
+            </a:pPr>
+            <a:endParaRPr lang="en-US" altLang="en-US" sz="2000" dirty="0">
+              <a:solidFill>
+                <a:schemeClr val="tx1"/>
+              </a:solidFill>
+              <a:latin typeface="Corbel" panose="020B0503020204020204" pitchFamily="34" charset="0"/>
+            </a:endParaRPr>
+          </a:p>
+          <a:p>
+            <a:pPr eaLnBrk="0" hangingPunct="0">
+              <a:lnSpc>
+                <a:spcPct val="85000"/>
+              </a:lnSpc>
+            </a:pPr>
+            <a:endParaRPr lang="en-US" altLang="en-US" sz="2000" dirty="0">
+              <a:solidFill>
+                <a:schemeClr val="tx1"/>
+              </a:solidFill>
+              <a:latin typeface="Corbel" panose="020B0503020204020204" pitchFamily="34" charset="0"/>
+            </a:endParaRPr>
+          </a:p>
+          <a:p>
+            <a:pPr eaLnBrk="0" hangingPunct="0">
+              <a:lnSpc>
+                <a:spcPct val="85000"/>
+              </a:lnSpc>
+            </a:pPr>
             <a:endParaRPr lang="en-US" altLang="en-US" sz="2200" dirty="0">
               <a:solidFill>
                 <a:schemeClr val="tx1"/>
@@ -4020,36 +4083,6 @@
           </a:p>
         </p:txBody>
       </p:sp>
-      <p:pic>
-        <p:nvPicPr>
-          <p:cNvPr id="9" name="Picture 8">
-            <a:extLst>
-              <a:ext uri="{FF2B5EF4-FFF2-40B4-BE49-F238E27FC236}">
-                <a16:creationId xmlns:a16="http://schemas.microsoft.com/office/drawing/2014/main" id="{5A9252C2-8A55-496D-AD37-C97FC9B5ED12}"/>
-              </a:ext>
-            </a:extLst>
-          </p:cNvPr>
-          <p:cNvPicPr>
-            <a:picLocks noChangeAspect="1"/>
-          </p:cNvPicPr>
-          <p:nvPr/>
-        </p:nvPicPr>
-        <p:blipFill>
-          <a:blip r:embed="rId2"/>
-          <a:stretch>
-            <a:fillRect/>
-          </a:stretch>
-        </p:blipFill>
-        <p:spPr>
-          <a:xfrm>
-            <a:off x="2735122" y="2016052"/>
-            <a:ext cx="5629696" cy="3709081"/>
-          </a:xfrm>
-          <a:prstGeom prst="rect">
-            <a:avLst/>
-          </a:prstGeom>
-        </p:spPr>
-      </p:pic>
     </p:spTree>
     <p:extLst>
       <p:ext uri="{BB962C8B-B14F-4D97-AF65-F5344CB8AC3E}">
@@ -4099,7 +4132,7 @@
                                         <p:tgtEl>
                                           <p:spTgt spid="8">
                                             <p:txEl>
-                                              <p:pRg st="0" end="0"/>
+                                              <p:pRg st="3" end="3"/>
                                             </p:txEl>
                                           </p:spTgt>
                                         </p:tgtEl>
@@ -4117,7 +4150,7 @@
                                         <p:tgtEl>
                                           <p:spTgt spid="8">
                                             <p:txEl>
-                                              <p:pRg st="0" end="0"/>
+                                              <p:pRg st="3" end="3"/>
                                             </p:txEl>
                                           </p:spTgt>
                                         </p:tgtEl>
@@ -4160,7 +4193,7 @@
                                         <p:tgtEl>
                                           <p:spTgt spid="8">
                                             <p:txEl>
-                                              <p:pRg st="1" end="1"/>
+                                              <p:pRg st="4" end="4"/>
                                             </p:txEl>
                                           </p:spTgt>
                                         </p:tgtEl>
@@ -4178,7 +4211,129 @@
                                         <p:tgtEl>
                                           <p:spTgt spid="8">
                                             <p:txEl>
-                                              <p:pRg st="1" end="1"/>
+                                              <p:pRg st="4" end="4"/>
+                                            </p:txEl>
+                                          </p:spTgt>
+                                        </p:tgtEl>
+                                      </p:cBhvr>
+                                    </p:animEffect>
+                                  </p:childTnLst>
+                                </p:cTn>
+                              </p:par>
+                            </p:childTnLst>
+                          </p:cTn>
+                        </p:par>
+                      </p:childTnLst>
+                    </p:cTn>
+                  </p:par>
+                  <p:par>
+                    <p:cTn id="13" fill="hold">
+                      <p:stCondLst>
+                        <p:cond delay="indefinite"/>
+                      </p:stCondLst>
+                      <p:childTnLst>
+                        <p:par>
+                          <p:cTn id="14" fill="hold">
+                            <p:stCondLst>
+                              <p:cond delay="0"/>
+                            </p:stCondLst>
+                            <p:childTnLst>
+                              <p:par>
+                                <p:cTn id="15" presetID="10" presetClass="entr" presetSubtype="0" fill="hold" grpId="0" nodeType="clickEffect">
+                                  <p:stCondLst>
+                                    <p:cond delay="0"/>
+                                  </p:stCondLst>
+                                  <p:childTnLst>
+                                    <p:set>
+                                      <p:cBhvr>
+                                        <p:cTn id="16" dur="1" fill="hold">
+                                          <p:stCondLst>
+                                            <p:cond delay="0"/>
+                                          </p:stCondLst>
+                                        </p:cTn>
+                                        <p:tgtEl>
+                                          <p:spTgt spid="8">
+                                            <p:txEl>
+                                              <p:pRg st="5" end="5"/>
+                                            </p:txEl>
+                                          </p:spTgt>
+                                        </p:tgtEl>
+                                        <p:attrNameLst>
+                                          <p:attrName>style.visibility</p:attrName>
+                                        </p:attrNameLst>
+                                      </p:cBhvr>
+                                      <p:to>
+                                        <p:strVal val="visible"/>
+                                      </p:to>
+                                    </p:set>
+                                    <p:animEffect transition="in" filter="fade">
+                                      <p:cBhvr>
+                                        <p:cTn id="17" dur="500"/>
+                                        <p:tgtEl>
+                                          <p:spTgt spid="8">
+                                            <p:txEl>
+                                              <p:pRg st="5" end="5"/>
+                                            </p:txEl>
+                                          </p:spTgt>
+                                        </p:tgtEl>
+                                      </p:cBhvr>
+                                    </p:animEffect>
+                                  </p:childTnLst>
+                                </p:cTn>
+                              </p:par>
+                            </p:childTnLst>
+                          </p:cTn>
+                        </p:par>
+                      </p:childTnLst>
+                    </p:cTn>
+                  </p:par>
+                  <p:par>
+                    <p:cTn id="18" fill="hold">
+                      <p:stCondLst>
+                        <p:cond delay="indefinite"/>
+                      </p:stCondLst>
+                      <p:childTnLst>
+                        <p:par>
+                          <p:cTn id="19" fill="hold">
+                            <p:stCondLst>
+                              <p:cond delay="0"/>
+                            </p:stCondLst>
+                            <p:childTnLst>
+                              <p:par>
+                                <p:cTn id="20" presetID="10" presetClass="entr" presetSubtype="0" fill="hold" grpId="0" nodeType="clickEffect">
+                                  <p:stCondLst>
+                                    <p:cond delay="0"/>
+                                  </p:stCondLst>
+                                  <p:childTnLst>
+                                    <p:set>
+                                      <p:cBhvr>
+                                        <p:cTn id="21" dur="1" fill="hold">
+                                          <p:stCondLst>
+                                            <p:cond delay="0"/>
+                                          </p:stCondLst>
+                                        </p:cTn>
+                                        <p:tgtEl>
+                                          <p:spTgt spid="8">
+                                            <p:txEl>
+                                              <p:pRg st="6" end="6"/>
+                                            </p:txEl>
+                                          </p:spTgt>
+                                        </p:tgtEl>
+                                        <p:attrNameLst>
+                                          <p:attrName>style.visibility</p:attrName>
+                                        </p:attrNameLst>
+                                      </p:cBhvr>
+                                      <p:to>
+                                        <p:strVal val="visible"/>
+                                      </p:to>
+                                    </p:set>
+                                    <p:animEffect transition="in" filter="fade">
+                                      <p:cBhvr>
+                                        <p:cTn id="22" dur="500"/>
+                                        <p:tgtEl>
+                                          <p:spTgt spid="8">
+                                            <p:txEl>
+                                              <p:pRg st="6" end="6"/>
                                             </p:txEl>
                                           </p:spTgt>
                                         </p:tgtEl>
@@ -4255,44 +4410,14 @@
           <a:p>
             <a:r>
               <a:rPr lang="en-US" dirty="0"/>
-              <a:t>Feature Selection Approach </a:t>
-            </a:r>
-          </a:p>
-        </p:txBody>
-      </p:sp>
-      <p:sp>
-        <p:nvSpPr>
-          <p:cNvPr id="4" name="Slide Number Placeholder 3"/>
-          <p:cNvSpPr>
-            <a:spLocks noGrp="1"/>
-          </p:cNvSpPr>
-          <p:nvPr>
-            <p:ph type="sldNum" sz="quarter" idx="12"/>
-          </p:nvPr>
-        </p:nvSpPr>
-        <p:spPr/>
-        <p:txBody>
-          <a:bodyPr/>
-          <a:lstStyle/>
-          <a:p>
-            <a:fld id="{4FAB73BC-B049-4115-A692-8D63A059BFB8}" type="slidenum">
-              <a:rPr lang="en-US" smtClean="0"/>
-              <a:pPr/>
-              <a:t>3</a:t>
-            </a:fld>
-            <a:endParaRPr lang="en-US" dirty="0"/>
-          </a:p>
-        </p:txBody>
-      </p:sp>
-      <p:sp>
-        <p:nvSpPr>
-          <p:cNvPr id="8" name="Rectangle 3">
-            <a:extLst>
-              <a:ext uri="{FF2B5EF4-FFF2-40B4-BE49-F238E27FC236}">
-                <a16:creationId xmlns:a16="http://schemas.microsoft.com/office/drawing/2014/main" id="{18D39E6A-03AB-4A12-B5CC-3AB4FCD0BB9B}"/>
-              </a:ext>
-            </a:extLst>
-          </p:cNvPr>
+              <a:t>Final Selected Features</a:t>
+            </a:r>
+          </a:p>
+        </p:txBody>
+      </p:sp>
+      <p:sp>
+        <p:nvSpPr>
+          <p:cNvPr id="6" name="Rectangle 3"/>
           <p:cNvSpPr txBox="1">
             <a:spLocks noGrp="1" noChangeArrowheads="1"/>
           </p:cNvSpPr>
@@ -4302,8 +4427,8 @@
         </p:nvSpPr>
         <p:spPr bwMode="auto">
           <a:xfrm>
-            <a:off x="2610661" y="435429"/>
-            <a:ext cx="6343650" cy="2322286"/>
+            <a:off x="2695320" y="428709"/>
+            <a:ext cx="5895784" cy="2720233"/>
           </a:xfrm>
           <a:prstGeom prst="rect">
             <a:avLst/>
@@ -4328,7 +4453,7 @@
                 </a:solidFill>
                 <a:latin typeface="Corbel" panose="020B0503020204020204" pitchFamily="34" charset="0"/>
               </a:rPr>
-              <a:t>Highest correlation to target ‘price’ variables</a:t>
+              <a:t>If you are buying a house, what are the features to look at to know a market value of the house?</a:t>
             </a:r>
           </a:p>
           <a:p>
@@ -4337,14 +4462,27 @@
                 <a:spcPct val="85000"/>
               </a:lnSpc>
             </a:pPr>
-            <a:r>
-              <a:rPr lang="en-US" altLang="en-US" sz="2000" dirty="0">
+            <a:endParaRPr lang="en-US" sz="2000" dirty="0">
+              <a:solidFill>
+                <a:schemeClr val="tx1"/>
+              </a:solidFill>
+              <a:latin typeface="Corbel" panose="020B0503020204020204" pitchFamily="34" charset="0"/>
+            </a:endParaRPr>
+          </a:p>
+          <a:p>
+            <a:pPr eaLnBrk="0" hangingPunct="0">
+              <a:lnSpc>
+                <a:spcPct val="85000"/>
+              </a:lnSpc>
+            </a:pPr>
+            <a:r>
+              <a:rPr lang="en-US" sz="2000" dirty="0">
                 <a:solidFill>
                   <a:schemeClr val="tx1"/>
                 </a:solidFill>
                 <a:latin typeface="Corbel" panose="020B0503020204020204" pitchFamily="34" charset="0"/>
               </a:rPr>
-              <a:t>Preserve as much as data while scrubbing</a:t>
+              <a:t>Bedrooms</a:t>
             </a:r>
           </a:p>
           <a:p>
@@ -4354,23 +4492,15 @@
               </a:lnSpc>
             </a:pPr>
             <a:r>
-              <a:rPr lang="en-US" altLang="en-US" sz="2000" dirty="0">
+              <a:rPr lang="en-US" sz="2000" dirty="0" err="1">
                 <a:solidFill>
                   <a:schemeClr val="tx1"/>
                 </a:solidFill>
                 <a:latin typeface="Corbel" panose="020B0503020204020204" pitchFamily="34" charset="0"/>
               </a:rPr>
-              <a:t>Consider interference between predicting features</a:t>
-            </a:r>
-          </a:p>
-          <a:p>
-            <a:pPr marL="0" indent="0" eaLnBrk="0" hangingPunct="0">
-              <a:lnSpc>
-                <a:spcPct val="85000"/>
-              </a:lnSpc>
-              <a:buNone/>
-            </a:pPr>
-            <a:endParaRPr lang="en-US" altLang="en-US" sz="2000" dirty="0">
+              <a:t>Sqft_living</a:t>
+            </a:r>
+            <a:endParaRPr lang="en-US" sz="2000" dirty="0">
               <a:solidFill>
                 <a:schemeClr val="tx1"/>
               </a:solidFill>
@@ -4379,6 +4509,28 @@
           </a:p>
           <a:p>
             <a:pPr eaLnBrk="0" hangingPunct="0">
+              <a:lnSpc>
+                <a:spcPct val="85000"/>
+              </a:lnSpc>
+            </a:pPr>
+            <a:r>
+              <a:rPr lang="en-US" sz="2000" dirty="0" err="1">
+                <a:solidFill>
+                  <a:schemeClr val="tx1"/>
+                </a:solidFill>
+                <a:latin typeface="Corbel" panose="020B0503020204020204" pitchFamily="34" charset="0"/>
+              </a:rPr>
+              <a:t>Sqft_lot</a:t>
+            </a:r>
+            <a:endParaRPr lang="en-US" sz="2000" dirty="0">
+              <a:solidFill>
+                <a:schemeClr val="tx1"/>
+              </a:solidFill>
+              <a:latin typeface="Corbel" panose="020B0503020204020204" pitchFamily="34" charset="0"/>
+            </a:endParaRPr>
+          </a:p>
+          <a:p>
+            <a:pPr lvl="1" eaLnBrk="0" hangingPunct="0">
               <a:lnSpc>
                 <a:spcPct val="85000"/>
               </a:lnSpc>
@@ -4405,419 +4557,6 @@
           </a:p>
         </p:txBody>
       </p:sp>
-      <p:pic>
-        <p:nvPicPr>
-          <p:cNvPr id="9" name="Picture 8">
-            <a:extLst>
-              <a:ext uri="{FF2B5EF4-FFF2-40B4-BE49-F238E27FC236}">
-                <a16:creationId xmlns:a16="http://schemas.microsoft.com/office/drawing/2014/main" id="{041F79A4-4837-4EE7-A5F0-E297E7C8A308}"/>
-              </a:ext>
-            </a:extLst>
-          </p:cNvPr>
-          <p:cNvPicPr>
-            <a:picLocks noChangeAspect="1"/>
-          </p:cNvPicPr>
-          <p:nvPr/>
-        </p:nvPicPr>
-        <p:blipFill rotWithShape="1">
-          <a:blip r:embed="rId2"/>
-          <a:srcRect l="-865" r="14191"/>
-          <a:stretch/>
-        </p:blipFill>
-        <p:spPr>
-          <a:xfrm>
-            <a:off x="2910411" y="1690915"/>
-            <a:ext cx="5159532" cy="4956628"/>
-          </a:xfrm>
-          <a:prstGeom prst="rect">
-            <a:avLst/>
-          </a:prstGeom>
-        </p:spPr>
-      </p:pic>
-    </p:spTree>
-    <p:extLst>
-      <p:ext uri="{BB962C8B-B14F-4D97-AF65-F5344CB8AC3E}">
-        <p14:creationId xmlns:p14="http://schemas.microsoft.com/office/powerpoint/2010/main" val="3525743301"/>
-      </p:ext>
-    </p:extLst>
-  </p:cSld>
-  <p:clrMapOvr>
-    <a:masterClrMapping/>
-  </p:clrMapOvr>
-  <p:transition>
-    <p:fade/>
-  </p:transition>
-  <p:timing>
-    <p:tnLst>
-      <p:par>
-        <p:cTn id="1" dur="indefinite" restart="never" nodeType="tmRoot">
-          <p:childTnLst>
-            <p:seq concurrent="1" nextAc="seek">
-              <p:cTn id="2" dur="indefinite" nodeType="mainSeq">
-                <p:childTnLst>
-                  <p:par>
-                    <p:cTn id="3" fill="hold">
-                      <p:stCondLst>
-                        <p:cond delay="indefinite"/>
-                      </p:stCondLst>
-                      <p:childTnLst>
-                        <p:par>
-                          <p:cTn id="4" fill="hold">
-                            <p:stCondLst>
-                              <p:cond delay="0"/>
-                            </p:stCondLst>
-                            <p:childTnLst>
-                              <p:par>
-                                <p:cTn id="5" presetID="10" presetClass="entr" presetSubtype="0" fill="hold" grpId="0" nodeType="clickEffect">
-                                  <p:stCondLst>
-                                    <p:cond delay="0"/>
-                                  </p:stCondLst>
-                                  <p:childTnLst>
-                                    <p:set>
-                                      <p:cBhvr>
-                                        <p:cTn id="6" dur="1" fill="hold">
-                                          <p:stCondLst>
-                                            <p:cond delay="0"/>
-                                          </p:stCondLst>
-                                        </p:cTn>
-                                        <p:tgtEl>
-                                          <p:spTgt spid="8">
-                                            <p:txEl>
-                                              <p:pRg st="0" end="0"/>
-                                            </p:txEl>
-                                          </p:spTgt>
-                                        </p:tgtEl>
-                                        <p:attrNameLst>
-                                          <p:attrName>style.visibility</p:attrName>
-                                        </p:attrNameLst>
-                                      </p:cBhvr>
-                                      <p:to>
-                                        <p:strVal val="visible"/>
-                                      </p:to>
-                                    </p:set>
-                                    <p:animEffect transition="in" filter="fade">
-                                      <p:cBhvr>
-                                        <p:cTn id="7" dur="500"/>
-                                        <p:tgtEl>
-                                          <p:spTgt spid="8">
-                                            <p:txEl>
-                                              <p:pRg st="0" end="0"/>
-                                            </p:txEl>
-                                          </p:spTgt>
-                                        </p:tgtEl>
-                                      </p:cBhvr>
-                                    </p:animEffect>
-                                  </p:childTnLst>
-                                </p:cTn>
-                              </p:par>
-                            </p:childTnLst>
-                          </p:cTn>
-                        </p:par>
-                      </p:childTnLst>
-                    </p:cTn>
-                  </p:par>
-                  <p:par>
-                    <p:cTn id="8" fill="hold">
-                      <p:stCondLst>
-                        <p:cond delay="indefinite"/>
-                      </p:stCondLst>
-                      <p:childTnLst>
-                        <p:par>
-                          <p:cTn id="9" fill="hold">
-                            <p:stCondLst>
-                              <p:cond delay="0"/>
-                            </p:stCondLst>
-                            <p:childTnLst>
-                              <p:par>
-                                <p:cTn id="10" presetID="10" presetClass="entr" presetSubtype="0" fill="hold" grpId="0" nodeType="clickEffect">
-                                  <p:stCondLst>
-                                    <p:cond delay="0"/>
-                                  </p:stCondLst>
-                                  <p:childTnLst>
-                                    <p:set>
-                                      <p:cBhvr>
-                                        <p:cTn id="11" dur="1" fill="hold">
-                                          <p:stCondLst>
-                                            <p:cond delay="0"/>
-                                          </p:stCondLst>
-                                        </p:cTn>
-                                        <p:tgtEl>
-                                          <p:spTgt spid="8">
-                                            <p:txEl>
-                                              <p:pRg st="1" end="1"/>
-                                            </p:txEl>
-                                          </p:spTgt>
-                                        </p:tgtEl>
-                                        <p:attrNameLst>
-                                          <p:attrName>style.visibility</p:attrName>
-                                        </p:attrNameLst>
-                                      </p:cBhvr>
-                                      <p:to>
-                                        <p:strVal val="visible"/>
-                                      </p:to>
-                                    </p:set>
-                                    <p:animEffect transition="in" filter="fade">
-                                      <p:cBhvr>
-                                        <p:cTn id="12" dur="500"/>
-                                        <p:tgtEl>
-                                          <p:spTgt spid="8">
-                                            <p:txEl>
-                                              <p:pRg st="1" end="1"/>
-                                            </p:txEl>
-                                          </p:spTgt>
-                                        </p:tgtEl>
-                                      </p:cBhvr>
-                                    </p:animEffect>
-                                  </p:childTnLst>
-                                </p:cTn>
-                              </p:par>
-                            </p:childTnLst>
-                          </p:cTn>
-                        </p:par>
-                      </p:childTnLst>
-                    </p:cTn>
-                  </p:par>
-                  <p:par>
-                    <p:cTn id="13" fill="hold">
-                      <p:stCondLst>
-                        <p:cond delay="indefinite"/>
-                      </p:stCondLst>
-                      <p:childTnLst>
-                        <p:par>
-                          <p:cTn id="14" fill="hold">
-                            <p:stCondLst>
-                              <p:cond delay="0"/>
-                            </p:stCondLst>
-                            <p:childTnLst>
-                              <p:par>
-                                <p:cTn id="15" presetID="10" presetClass="entr" presetSubtype="0" fill="hold" grpId="0" nodeType="clickEffect">
-                                  <p:stCondLst>
-                                    <p:cond delay="0"/>
-                                  </p:stCondLst>
-                                  <p:childTnLst>
-                                    <p:set>
-                                      <p:cBhvr>
-                                        <p:cTn id="16" dur="1" fill="hold">
-                                          <p:stCondLst>
-                                            <p:cond delay="0"/>
-                                          </p:stCondLst>
-                                        </p:cTn>
-                                        <p:tgtEl>
-                                          <p:spTgt spid="8">
-                                            <p:txEl>
-                                              <p:pRg st="2" end="2"/>
-                                            </p:txEl>
-                                          </p:spTgt>
-                                        </p:tgtEl>
-                                        <p:attrNameLst>
-                                          <p:attrName>style.visibility</p:attrName>
-                                        </p:attrNameLst>
-                                      </p:cBhvr>
-                                      <p:to>
-                                        <p:strVal val="visible"/>
-                                      </p:to>
-                                    </p:set>
-                                    <p:animEffect transition="in" filter="fade">
-                                      <p:cBhvr>
-                                        <p:cTn id="17" dur="500"/>
-                                        <p:tgtEl>
-                                          <p:spTgt spid="8">
-                                            <p:txEl>
-                                              <p:pRg st="2" end="2"/>
-                                            </p:txEl>
-                                          </p:spTgt>
-                                        </p:tgtEl>
-                                      </p:cBhvr>
-                                    </p:animEffect>
-                                  </p:childTnLst>
-                                </p:cTn>
-                              </p:par>
-                            </p:childTnLst>
-                          </p:cTn>
-                        </p:par>
-                      </p:childTnLst>
-                    </p:cTn>
-                  </p:par>
-                </p:childTnLst>
-              </p:cTn>
-              <p:prevCondLst>
-                <p:cond evt="onPrev" delay="0">
-                  <p:tgtEl>
-                    <p:sldTgt/>
-                  </p:tgtEl>
-                </p:cond>
-              </p:prevCondLst>
-              <p:nextCondLst>
-                <p:cond evt="onNext" delay="0">
-                  <p:tgtEl>
-                    <p:sldTgt/>
-                  </p:tgtEl>
-                </p:cond>
-              </p:nextCondLst>
-            </p:seq>
-          </p:childTnLst>
-        </p:cTn>
-      </p:par>
-    </p:tnLst>
-    <p:bldLst>
-      <p:bldP spid="8" grpId="0" uiExpand="1" build="p" bldLvl="2"/>
-    </p:bldLst>
-  </p:timing>
-</p:sld>
-</file>
-
-<file path=ppt/slides/slide4.xml><?xml version="1.0" encoding="utf-8"?>
-<p:sld xmlns:a="http://schemas.openxmlformats.org/drawingml/2006/main" xmlns:r="http://schemas.openxmlformats.org/officeDocument/2006/relationships" xmlns:p="http://schemas.openxmlformats.org/presentationml/2006/main">
-  <p:cSld>
-    <p:spTree>
-      <p:nvGrpSpPr>
-        <p:cNvPr id="1" name=""/>
-        <p:cNvGrpSpPr/>
-        <p:nvPr/>
-      </p:nvGrpSpPr>
-      <p:grpSpPr>
-        <a:xfrm>
-          <a:off x="0" y="0"/>
-          <a:ext cx="0" cy="0"/>
-          <a:chOff x="0" y="0"/>
-          <a:chExt cx="0" cy="0"/>
-        </a:xfrm>
-      </p:grpSpPr>
-      <p:sp>
-        <p:nvSpPr>
-          <p:cNvPr id="2" name="Title 1"/>
-          <p:cNvSpPr>
-            <a:spLocks noGrp="1"/>
-          </p:cNvSpPr>
-          <p:nvPr>
-            <p:ph type="title"/>
-          </p:nvPr>
-        </p:nvSpPr>
-        <p:spPr/>
-        <p:txBody>
-          <a:bodyPr/>
-          <a:lstStyle/>
-          <a:p>
-            <a:r>
-              <a:rPr lang="en-US" dirty="0"/>
-              <a:t>Final Selected Features</a:t>
-            </a:r>
-          </a:p>
-        </p:txBody>
-      </p:sp>
-      <p:sp>
-        <p:nvSpPr>
-          <p:cNvPr id="6" name="Rectangle 3"/>
-          <p:cNvSpPr txBox="1">
-            <a:spLocks noGrp="1" noChangeArrowheads="1"/>
-          </p:cNvSpPr>
-          <p:nvPr>
-            <p:ph idx="1"/>
-          </p:nvPr>
-        </p:nvSpPr>
-        <p:spPr bwMode="auto">
-          <a:xfrm>
-            <a:off x="2864758" y="602043"/>
-            <a:ext cx="2282110" cy="2720233"/>
-          </a:xfrm>
-          <a:prstGeom prst="rect">
-            <a:avLst/>
-          </a:prstGeom>
-          <a:extLst/>
-        </p:spPr>
-        <p:txBody>
-          <a:bodyPr vert="horz" lIns="91440" tIns="45720" rIns="91440" bIns="45720" rtlCol="0" anchor="ctr">
-            <a:noAutofit/>
-          </a:bodyPr>
-          <a:lstStyle/>
-          <a:p>
-            <a:pPr eaLnBrk="0" hangingPunct="0">
-              <a:lnSpc>
-                <a:spcPct val="85000"/>
-              </a:lnSpc>
-            </a:pPr>
-            <a:r>
-              <a:rPr lang="en-US" sz="2000" dirty="0">
-                <a:solidFill>
-                  <a:schemeClr val="tx1"/>
-                </a:solidFill>
-                <a:latin typeface="Corbel" panose="020B0503020204020204" pitchFamily="34" charset="0"/>
-              </a:rPr>
-              <a:t>Bedrooms</a:t>
-            </a:r>
-          </a:p>
-          <a:p>
-            <a:pPr eaLnBrk="0" hangingPunct="0">
-              <a:lnSpc>
-                <a:spcPct val="85000"/>
-              </a:lnSpc>
-            </a:pPr>
-            <a:r>
-              <a:rPr lang="en-US" sz="2000" dirty="0" err="1">
-                <a:solidFill>
-                  <a:schemeClr val="tx1"/>
-                </a:solidFill>
-                <a:latin typeface="Corbel" panose="020B0503020204020204" pitchFamily="34" charset="0"/>
-              </a:rPr>
-              <a:t>Sqft_living</a:t>
-            </a:r>
-            <a:endParaRPr lang="en-US" sz="2000" dirty="0">
-              <a:solidFill>
-                <a:schemeClr val="tx1"/>
-              </a:solidFill>
-              <a:latin typeface="Corbel" panose="020B0503020204020204" pitchFamily="34" charset="0"/>
-            </a:endParaRPr>
-          </a:p>
-          <a:p>
-            <a:pPr eaLnBrk="0" hangingPunct="0">
-              <a:lnSpc>
-                <a:spcPct val="85000"/>
-              </a:lnSpc>
-            </a:pPr>
-            <a:r>
-              <a:rPr lang="en-US" sz="2000" dirty="0" err="1">
-                <a:solidFill>
-                  <a:schemeClr val="tx1"/>
-                </a:solidFill>
-                <a:latin typeface="Corbel" panose="020B0503020204020204" pitchFamily="34" charset="0"/>
-              </a:rPr>
-              <a:t>Sqft_lot</a:t>
-            </a:r>
-            <a:endParaRPr lang="en-US" sz="2000" dirty="0">
-              <a:solidFill>
-                <a:schemeClr val="tx1"/>
-              </a:solidFill>
-              <a:latin typeface="Corbel" panose="020B0503020204020204" pitchFamily="34" charset="0"/>
-            </a:endParaRPr>
-          </a:p>
-          <a:p>
-            <a:pPr lvl="1" eaLnBrk="0" hangingPunct="0">
-              <a:lnSpc>
-                <a:spcPct val="85000"/>
-              </a:lnSpc>
-            </a:pPr>
-            <a:endParaRPr lang="en-US" altLang="en-US" sz="2000" dirty="0">
-              <a:solidFill>
-                <a:schemeClr val="tx1"/>
-              </a:solidFill>
-              <a:latin typeface="Corbel" panose="020B0503020204020204" pitchFamily="34" charset="0"/>
-            </a:endParaRPr>
-          </a:p>
-          <a:p>
-            <a:pPr eaLnBrk="0" hangingPunct="0">
-              <a:lnSpc>
-                <a:spcPct val="85000"/>
-              </a:lnSpc>
-            </a:pPr>
-            <a:endParaRPr lang="en-US" altLang="en-US" sz="2200" dirty="0">
-              <a:solidFill>
-                <a:schemeClr val="tx1"/>
-              </a:solidFill>
-              <a:latin typeface="Corbel" panose="020B0503020204020204" pitchFamily="34" charset="0"/>
-            </a:endParaRPr>
-          </a:p>
-        </p:txBody>
-      </p:sp>
       <p:sp>
         <p:nvSpPr>
           <p:cNvPr id="4" name="Slide Number Placeholder 3"/>
@@ -4836,7 +4575,7 @@
             <a:fld id="{4FAB73BC-B049-4115-A692-8D63A059BFB8}" type="slidenum">
               <a:rPr lang="en-US" smtClean="0"/>
               <a:pPr/>
-              <a:t>4</a:t>
+              <a:t>3</a:t>
             </a:fld>
             <a:endParaRPr lang="en-US" dirty="0"/>
           </a:p>
@@ -4864,7 +4603,7 @@
         </p:blipFill>
         <p:spPr>
           <a:xfrm>
-            <a:off x="5462868" y="416980"/>
+            <a:off x="5462868" y="885721"/>
             <a:ext cx="3111166" cy="2865687"/>
           </a:xfrm>
           <a:prstGeom prst="rect">
@@ -5045,7 +4784,7 @@
                                         <p:tgtEl>
                                           <p:spTgt spid="6">
                                             <p:txEl>
-                                              <p:pRg st="1" end="1"/>
+                                              <p:pRg st="2" end="2"/>
                                             </p:txEl>
                                           </p:spTgt>
                                         </p:tgtEl>
@@ -5063,7 +4802,7 @@
                                         <p:tgtEl>
                                           <p:spTgt spid="6">
                                             <p:txEl>
-                                              <p:pRg st="1" end="1"/>
+                                              <p:pRg st="2" end="2"/>
                                             </p:txEl>
                                           </p:spTgt>
                                         </p:tgtEl>
@@ -5106,7 +4845,7 @@
                                         <p:tgtEl>
                                           <p:spTgt spid="6">
                                             <p:txEl>
-                                              <p:pRg st="2" end="2"/>
+                                              <p:pRg st="3" end="3"/>
                                             </p:txEl>
                                           </p:spTgt>
                                         </p:tgtEl>
@@ -5124,7 +4863,68 @@
                                         <p:tgtEl>
                                           <p:spTgt spid="6">
                                             <p:txEl>
-                                              <p:pRg st="2" end="2"/>
+                                              <p:pRg st="3" end="3"/>
+                                            </p:txEl>
+                                          </p:spTgt>
+                                        </p:tgtEl>
+                                      </p:cBhvr>
+                                    </p:animEffect>
+                                  </p:childTnLst>
+                                </p:cTn>
+                              </p:par>
+                            </p:childTnLst>
+                          </p:cTn>
+                        </p:par>
+                      </p:childTnLst>
+                    </p:cTn>
+                  </p:par>
+                  <p:par>
+                    <p:cTn id="18" fill="hold">
+                      <p:stCondLst>
+                        <p:cond delay="indefinite"/>
+                      </p:stCondLst>
+                      <p:childTnLst>
+                        <p:par>
+                          <p:cTn id="19" fill="hold">
+                            <p:stCondLst>
+                              <p:cond delay="0"/>
+                            </p:stCondLst>
+                            <p:childTnLst>
+                              <p:par>
+                                <p:cTn id="20" presetID="10" presetClass="entr" presetSubtype="0" fill="hold" grpId="0" nodeType="clickEffect">
+                                  <p:stCondLst>
+                                    <p:cond delay="0"/>
+                                  </p:stCondLst>
+                                  <p:childTnLst>
+                                    <p:set>
+                                      <p:cBhvr>
+                                        <p:cTn id="21" dur="1" fill="hold">
+                                          <p:stCondLst>
+                                            <p:cond delay="0"/>
+                                          </p:stCondLst>
+                                        </p:cTn>
+                                        <p:tgtEl>
+                                          <p:spTgt spid="6">
+                                            <p:txEl>
+                                              <p:pRg st="4" end="4"/>
+                                            </p:txEl>
+                                          </p:spTgt>
+                                        </p:tgtEl>
+                                        <p:attrNameLst>
+                                          <p:attrName>style.visibility</p:attrName>
+                                        </p:attrNameLst>
+                                      </p:cBhvr>
+                                      <p:to>
+                                        <p:strVal val="visible"/>
+                                      </p:to>
+                                    </p:set>
+                                    <p:animEffect transition="in" filter="fade">
+                                      <p:cBhvr>
+                                        <p:cTn id="22" dur="500"/>
+                                        <p:tgtEl>
+                                          <p:spTgt spid="6">
+                                            <p:txEl>
+                                              <p:pRg st="4" end="4"/>
                                             </p:txEl>
                                           </p:spTgt>
                                         </p:tgtEl>
@@ -5167,7 +4967,7 @@
 </p:sld>
 </file>
 
-<file path=ppt/slides/slide5.xml><?xml version="1.0" encoding="utf-8"?>
+<file path=ppt/slides/slide4.xml><?xml version="1.0" encoding="utf-8"?>
 <p:sld xmlns:a="http://schemas.openxmlformats.org/drawingml/2006/main" xmlns:r="http://schemas.openxmlformats.org/officeDocument/2006/relationships" xmlns:p="http://schemas.openxmlformats.org/presentationml/2006/main">
   <p:cSld>
     <p:spTree>
@@ -5238,6 +5038,22 @@
               </a:lnSpc>
             </a:pPr>
             <a:r>
+              <a:rPr lang="en-US" altLang="en-US" sz="2000" dirty="0">
+                <a:solidFill>
+                  <a:schemeClr val="tx1"/>
+                </a:solidFill>
+                <a:latin typeface="Corbel" panose="020B0503020204020204" pitchFamily="34" charset="0"/>
+              </a:rPr>
+              <a:t>If you are buying a house, what are the features to look at to know a market value of the house?</a:t>
+            </a:r>
+          </a:p>
+          <a:p>
+            <a:pPr eaLnBrk="0" hangingPunct="0">
+              <a:lnSpc>
+                <a:spcPct val="85000"/>
+              </a:lnSpc>
+            </a:pPr>
+            <a:r>
               <a:rPr lang="en-US" sz="2000" dirty="0">
                 <a:solidFill>
                   <a:schemeClr val="tx1"/>
@@ -5273,7 +5089,7 @@
             <a:fld id="{4FAB73BC-B049-4115-A692-8D63A059BFB8}" type="slidenum">
               <a:rPr lang="en-US" smtClean="0"/>
               <a:pPr/>
-              <a:t>5</a:t>
+              <a:t>4</a:t>
             </a:fld>
             <a:endParaRPr lang="en-US" dirty="0"/>
           </a:p>
@@ -5393,6 +5209,67 @@
                       </p:childTnLst>
                     </p:cTn>
                   </p:par>
+                  <p:par>
+                    <p:cTn id="8" fill="hold">
+                      <p:stCondLst>
+                        <p:cond delay="indefinite"/>
+                      </p:stCondLst>
+                      <p:childTnLst>
+                        <p:par>
+                          <p:cTn id="9" fill="hold">
+                            <p:stCondLst>
+                              <p:cond delay="0"/>
+                            </p:stCondLst>
+                            <p:childTnLst>
+                              <p:par>
+                                <p:cTn id="10" presetID="10" presetClass="entr" presetSubtype="0" fill="hold" grpId="0" nodeType="clickEffect">
+                                  <p:stCondLst>
+                                    <p:cond delay="0"/>
+                                  </p:stCondLst>
+                                  <p:childTnLst>
+                                    <p:set>
+                                      <p:cBhvr>
+                                        <p:cTn id="11" dur="1" fill="hold">
+                                          <p:stCondLst>
+                                            <p:cond delay="0"/>
+                                          </p:stCondLst>
+                                        </p:cTn>
+                                        <p:tgtEl>
+                                          <p:spTgt spid="6">
+                                            <p:txEl>
+                                              <p:pRg st="1" end="1"/>
+                                            </p:txEl>
+                                          </p:spTgt>
+                                        </p:tgtEl>
+                                        <p:attrNameLst>
+                                          <p:attrName>style.visibility</p:attrName>
+                                        </p:attrNameLst>
+                                      </p:cBhvr>
+                                      <p:to>
+                                        <p:strVal val="visible"/>
+                                      </p:to>
+                                    </p:set>
+                                    <p:animEffect transition="in" filter="fade">
+                                      <p:cBhvr>
+                                        <p:cTn id="12" dur="500"/>
+                                        <p:tgtEl>
+                                          <p:spTgt spid="6">
+                                            <p:txEl>
+                                              <p:pRg st="1" end="1"/>
+                                            </p:txEl>
+                                          </p:spTgt>
+                                        </p:tgtEl>
+                                      </p:cBhvr>
+                                    </p:animEffect>
+                                  </p:childTnLst>
+                                </p:cTn>
+                              </p:par>
+                            </p:childTnLst>
+                          </p:cTn>
+                        </p:par>
+                      </p:childTnLst>
+                    </p:cTn>
+                  </p:par>
                 </p:childTnLst>
               </p:cTn>
               <p:prevCondLst>
@@ -5421,7 +5298,7 @@
 </p:sld>
 </file>
 
-<file path=ppt/slides/slide6.xml><?xml version="1.0" encoding="utf-8"?>
+<file path=ppt/slides/slide5.xml><?xml version="1.0" encoding="utf-8"?>
 <p:sld xmlns:a="http://schemas.openxmlformats.org/drawingml/2006/main" xmlns:r="http://schemas.openxmlformats.org/officeDocument/2006/relationships" xmlns:p="http://schemas.openxmlformats.org/presentationml/2006/main">
   <p:cSld>
     <p:spTree>
@@ -5455,7 +5332,7 @@
           <a:p>
             <a:r>
               <a:rPr lang="en-US" dirty="0"/>
-              <a:t>Conclusion</a:t>
+              <a:t>Final Selected Features</a:t>
             </a:r>
           </a:p>
         </p:txBody>
@@ -5478,7 +5355,7 @@
             <a:fld id="{4FAB73BC-B049-4115-A692-8D63A059BFB8}" type="slidenum">
               <a:rPr lang="en-US" smtClean="0"/>
               <a:pPr/>
-              <a:t>6</a:t>
+              <a:t>5</a:t>
             </a:fld>
             <a:endParaRPr lang="en-US" dirty="0"/>
           </a:p>
@@ -5486,76 +5363,75 @@
       </p:sp>
       <p:sp>
         <p:nvSpPr>
-          <p:cNvPr id="5" name="TextBox 4">
+          <p:cNvPr id="7" name="Content Placeholder 6">
             <a:extLst>
               <a:ext uri="{FF2B5EF4-FFF2-40B4-BE49-F238E27FC236}">
-                <a16:creationId xmlns:a16="http://schemas.microsoft.com/office/drawing/2014/main" id="{FD824517-239E-4CC1-9E88-216378D21FF7}"/>
+                <a16:creationId xmlns:a16="http://schemas.microsoft.com/office/drawing/2014/main" id="{37539908-6C7C-44D7-B6D3-476DE74B2907}"/>
               </a:ext>
             </a:extLst>
           </p:cNvPr>
-          <p:cNvSpPr txBox="1"/>
-          <p:nvPr/>
-        </p:nvSpPr>
-        <p:spPr>
-          <a:xfrm>
-            <a:off x="2750457" y="965199"/>
-            <a:ext cx="5588000" cy="1477328"/>
-          </a:xfrm>
-          <a:prstGeom prst="rect">
-            <a:avLst/>
-          </a:prstGeom>
-          <a:noFill/>
-        </p:spPr>
-        <p:txBody>
-          <a:bodyPr wrap="square" rtlCol="0">
-            <a:spAutoFit/>
-          </a:bodyPr>
+          <p:cNvSpPr>
+            <a:spLocks noGrp="1"/>
+          </p:cNvSpPr>
+          <p:nvPr>
+            <p:ph idx="1"/>
+          </p:nvPr>
+        </p:nvSpPr>
+        <p:spPr/>
+        <p:txBody>
+          <a:bodyPr/>
           <a:lstStyle/>
           <a:p>
-            <a:pPr marL="285750" indent="-285750">
-              <a:buFont typeface="Arial" panose="020B0604020202020204" pitchFamily="34" charset="0"/>
-              <a:buChar char="•"/>
+            <a:r>
+              <a:rPr lang="en-US" altLang="en-US" sz="1800" dirty="0">
+                <a:solidFill>
+                  <a:schemeClr val="tx1"/>
+                </a:solidFill>
+                <a:latin typeface="Corbel" panose="020B0503020204020204" pitchFamily="34" charset="0"/>
+              </a:rPr>
+              <a:t>Where is the most desirable location (zip code) to purchase a house depending on the budge</a:t>
+            </a:r>
+          </a:p>
+          <a:p>
+            <a:pPr marL="457200" indent="-457200">
+              <a:buFont typeface="+mj-lt"/>
+              <a:buAutoNum type="arabicPeriod"/>
             </a:pPr>
             <a:r>
+              <a:rPr lang="en-US" dirty="0" err="1"/>
+              <a:t>Zipcode</a:t>
+            </a:r>
+            <a:r>
               <a:rPr lang="en-US" dirty="0"/>
-              <a:t>The model has produced a fairly good results</a:t>
-            </a:r>
-          </a:p>
-          <a:p>
-            <a:pPr marL="285750" indent="-285750">
-              <a:buFont typeface="Arial" panose="020B0604020202020204" pitchFamily="34" charset="0"/>
-              <a:buChar char="•"/>
+              <a:t> or location didn’t have strong enough relationship  towards price prediction model</a:t>
+            </a:r>
+          </a:p>
+          <a:p>
+            <a:pPr marL="457200" indent="-457200">
+              <a:buFont typeface="+mj-lt"/>
+              <a:buAutoNum type="arabicPeriod"/>
             </a:pPr>
-            <a:endParaRPr lang="en-US" dirty="0"/>
-          </a:p>
-          <a:p>
-            <a:pPr marL="285750" indent="-285750">
-              <a:buFont typeface="Arial" panose="020B0604020202020204" pitchFamily="34" charset="0"/>
-              <a:buChar char="•"/>
+            <a:r>
+              <a:rPr lang="en-US" dirty="0"/>
+              <a:t>The research indicates that focusing on the other features of house will drive more </a:t>
+            </a:r>
+            <a:r>
+              <a:rPr lang="en-US" dirty="0" err="1"/>
+              <a:t>accureate</a:t>
+            </a:r>
+            <a:r>
+              <a:rPr lang="en-US" dirty="0"/>
+              <a:t> prediction of overall value of the house</a:t>
+            </a:r>
+          </a:p>
+          <a:p>
+            <a:pPr marL="457200" indent="-457200">
+              <a:buFont typeface="+mj-lt"/>
+              <a:buAutoNum type="arabicPeriod"/>
             </a:pPr>
             <a:r>
               <a:rPr lang="en-US" dirty="0"/>
-              <a:t>Things to consider for improvement</a:t>
-            </a:r>
-          </a:p>
-          <a:p>
-            <a:r>
-              <a:rPr lang="en-US" dirty="0"/>
-              <a:t>	- location information (</a:t>
-            </a:r>
-            <a:r>
-              <a:rPr lang="en-US" dirty="0" err="1"/>
-              <a:t>lat</a:t>
-            </a:r>
-            <a:r>
-              <a:rPr lang="en-US" dirty="0"/>
-              <a:t>, long)</a:t>
-            </a:r>
-          </a:p>
-          <a:p>
-            <a:r>
-              <a:rPr lang="en-US" dirty="0"/>
-              <a:t>	- different modeling method and comparison</a:t>
+              <a:t>If we have the over value of a house, we can compare to the market value and find out if the property is over valued or under valued  (opportunity)</a:t>
             </a:r>
           </a:p>
         </p:txBody>
@@ -5563,7 +5439,7 @@
     </p:spTree>
     <p:extLst>
       <p:ext uri="{BB962C8B-B14F-4D97-AF65-F5344CB8AC3E}">
-        <p14:creationId xmlns:p14="http://schemas.microsoft.com/office/powerpoint/2010/main" val="2220657788"/>
+        <p14:creationId xmlns:p14="http://schemas.microsoft.com/office/powerpoint/2010/main" val="3415926730"/>
       </p:ext>
     </p:extLst>
   </p:cSld>
